--- a/assets/presentations/MSANDE228_Lecture6_Inference_in_High_Dimensional_Linear_Models.pptx
+++ b/assets/presentations/MSANDE228_Lecture6_Inference_in_High_Dimensional_Linear_Models.pptx
@@ -28304,8 +28304,8 @@
           </a:p>
         </p:txBody>
       </p:sp>
-      <mc:AlternateContent xmlns:mc="http://schemas.openxmlformats.org/markup-compatibility/2006">
-        <mc:Choice xmlns:a14="http://schemas.microsoft.com/office/drawing/2010/main" Requires="a14">
+      <mc:AlternateContent xmlns:mc="http://schemas.openxmlformats.org/markup-compatibility/2006" xmlns:a14="http://schemas.microsoft.com/office/drawing/2010/main">
+        <mc:Choice Requires="a14">
           <p:sp>
             <p:nvSpPr>
               <p:cNvPr id="3" name="Content Placeholder 2">
@@ -28998,7 +28998,7 @@
             </p:txBody>
           </p:sp>
         </mc:Choice>
-        <mc:Fallback>
+        <mc:Fallback xmlns="">
           <p:sp>
             <p:nvSpPr>
               <p:cNvPr id="3" name="Content Placeholder 2">
@@ -29656,7 +29656,7 @@
                             <a:rPr lang="en-US" b="0" i="1" dirty="0" smtClean="0">
                               <a:latin typeface="Cambria Math" panose="02040503050406030204" pitchFamily="18" charset="0"/>
                             </a:rPr>
-                            <m:t>𝛾</m:t>
+                            <m:t>𝜂</m:t>
                           </m:r>
                         </m:e>
                         <m:sub>
@@ -29664,7 +29664,7 @@
                             <a:rPr lang="en-US" b="0" i="1" dirty="0" smtClean="0">
                               <a:latin typeface="Cambria Math" panose="02040503050406030204" pitchFamily="18" charset="0"/>
                             </a:rPr>
-                            <m:t>𝑌</m:t>
+                            <m:t>1</m:t>
                           </m:r>
                         </m:sub>
                         <m:sup>
@@ -29672,10 +29672,16 @@
                             <a:rPr lang="en-US" b="0" i="1" dirty="0" smtClean="0">
                               <a:latin typeface="Cambria Math" panose="02040503050406030204" pitchFamily="18" charset="0"/>
                             </a:rPr>
-                            <m:t>′</m:t>
+                            <m:t>𝑜</m:t>
                           </m:r>
                         </m:sup>
                       </m:sSubSup>
+                      <m:r>
+                        <a:rPr lang="en-US" b="0" i="1" dirty="0" smtClean="0">
+                          <a:latin typeface="Cambria Math" panose="02040503050406030204" pitchFamily="18" charset="0"/>
+                        </a:rPr>
+                        <m:t>′</m:t>
+                      </m:r>
                       <m:r>
                         <a:rPr lang="en-US" b="0" i="1" dirty="0" smtClean="0">
                           <a:latin typeface="Cambria Math" panose="02040503050406030204" pitchFamily="18" charset="0"/>
@@ -29787,17 +29793,17 @@
                       <m:sSubSup>
                         <m:sSubSupPr>
                           <m:ctrlPr>
-                            <a:rPr lang="en-US" b="0" i="1" dirty="0" smtClean="0">
+                            <a:rPr lang="en-US" i="1" dirty="0">
                               <a:latin typeface="Cambria Math" panose="02040503050406030204" pitchFamily="18" charset="0"/>
                             </a:rPr>
                           </m:ctrlPr>
                         </m:sSubSupPr>
                         <m:e>
                           <m:r>
-                            <a:rPr lang="en-US" b="0" i="1" dirty="0" smtClean="0">
+                            <a:rPr lang="en-US" i="1" dirty="0">
                               <a:latin typeface="Cambria Math" panose="02040503050406030204" pitchFamily="18" charset="0"/>
                             </a:rPr>
-                            <m:t>𝛾</m:t>
+                            <m:t>𝜂</m:t>
                           </m:r>
                         </m:e>
                         <m:sub>
@@ -29805,20 +29811,26 @@
                             <a:rPr lang="en-US" b="0" i="1" dirty="0" smtClean="0">
                               <a:latin typeface="Cambria Math" panose="02040503050406030204" pitchFamily="18" charset="0"/>
                             </a:rPr>
-                            <m:t>𝐷</m:t>
+                            <m:t>2</m:t>
                           </m:r>
                         </m:sub>
                         <m:sup>
                           <m:r>
-                            <a:rPr lang="en-US" b="0" i="1" dirty="0" smtClean="0">
+                            <a:rPr lang="en-US" i="1" dirty="0">
                               <a:latin typeface="Cambria Math" panose="02040503050406030204" pitchFamily="18" charset="0"/>
                             </a:rPr>
-                            <m:t>′</m:t>
+                            <m:t>𝑜</m:t>
                           </m:r>
                         </m:sup>
                       </m:sSubSup>
                       <m:r>
-                        <a:rPr lang="en-US" b="0" i="1" dirty="0" smtClean="0">
+                        <a:rPr lang="en-US" i="1" dirty="0">
+                          <a:latin typeface="Cambria Math" panose="02040503050406030204" pitchFamily="18" charset="0"/>
+                        </a:rPr>
+                        <m:t>′</m:t>
+                      </m:r>
+                      <m:r>
+                        <a:rPr lang="en-US" i="1" dirty="0">
                           <a:latin typeface="Cambria Math" panose="02040503050406030204" pitchFamily="18" charset="0"/>
                         </a:rPr>
                         <m:t>𝑊</m:t>
@@ -30421,245 +30433,6 @@
   <p:clrMapOvr>
     <a:masterClrMapping/>
   </p:clrMapOvr>
-  <p:timing>
-    <p:tnLst>
-      <p:par>
-        <p:cTn id="1" dur="indefinite" restart="never" nodeType="tmRoot">
-          <p:childTnLst>
-            <p:seq concurrent="1" nextAc="seek">
-              <p:cTn id="2" dur="indefinite" nodeType="mainSeq">
-                <p:childTnLst>
-                  <p:par>
-                    <p:cTn id="3" fill="hold">
-                      <p:stCondLst>
-                        <p:cond delay="indefinite"/>
-                      </p:stCondLst>
-                      <p:childTnLst>
-                        <p:par>
-                          <p:cTn id="4" fill="hold">
-                            <p:stCondLst>
-                              <p:cond delay="0"/>
-                            </p:stCondLst>
-                            <p:childTnLst>
-                              <p:par>
-                                <p:cTn id="5" presetID="1" presetClass="entr" presetSubtype="0" fill="hold" nodeType="clickEffect">
-                                  <p:stCondLst>
-                                    <p:cond delay="0"/>
-                                  </p:stCondLst>
-                                  <p:childTnLst>
-                                    <p:set>
-                                      <p:cBhvr>
-                                        <p:cTn id="6" dur="1" fill="hold">
-                                          <p:stCondLst>
-                                            <p:cond delay="0"/>
-                                          </p:stCondLst>
-                                        </p:cTn>
-                                        <p:tgtEl>
-                                          <p:spTgt spid="3">
-                                            <p:txEl>
-                                              <p:pRg st="2" end="2"/>
-                                            </p:txEl>
-                                          </p:spTgt>
-                                        </p:tgtEl>
-                                        <p:attrNameLst>
-                                          <p:attrName>style.visibility</p:attrName>
-                                        </p:attrNameLst>
-                                      </p:cBhvr>
-                                      <p:to>
-                                        <p:strVal val="visible"/>
-                                      </p:to>
-                                    </p:set>
-                                  </p:childTnLst>
-                                </p:cTn>
-                              </p:par>
-                              <p:par>
-                                <p:cTn id="7" presetID="1" presetClass="entr" presetSubtype="0" fill="hold" nodeType="withEffect">
-                                  <p:stCondLst>
-                                    <p:cond delay="0"/>
-                                  </p:stCondLst>
-                                  <p:childTnLst>
-                                    <p:set>
-                                      <p:cBhvr>
-                                        <p:cTn id="8" dur="1" fill="hold">
-                                          <p:stCondLst>
-                                            <p:cond delay="0"/>
-                                          </p:stCondLst>
-                                        </p:cTn>
-                                        <p:tgtEl>
-                                          <p:spTgt spid="3">
-                                            <p:txEl>
-                                              <p:pRg st="3" end="3"/>
-                                            </p:txEl>
-                                          </p:spTgt>
-                                        </p:tgtEl>
-                                        <p:attrNameLst>
-                                          <p:attrName>style.visibility</p:attrName>
-                                        </p:attrNameLst>
-                                      </p:cBhvr>
-                                      <p:to>
-                                        <p:strVal val="visible"/>
-                                      </p:to>
-                                    </p:set>
-                                  </p:childTnLst>
-                                </p:cTn>
-                              </p:par>
-                            </p:childTnLst>
-                          </p:cTn>
-                        </p:par>
-                      </p:childTnLst>
-                    </p:cTn>
-                  </p:par>
-                  <p:par>
-                    <p:cTn id="9" fill="hold">
-                      <p:stCondLst>
-                        <p:cond delay="indefinite"/>
-                      </p:stCondLst>
-                      <p:childTnLst>
-                        <p:par>
-                          <p:cTn id="10" fill="hold">
-                            <p:stCondLst>
-                              <p:cond delay="0"/>
-                            </p:stCondLst>
-                            <p:childTnLst>
-                              <p:par>
-                                <p:cTn id="11" presetID="1" presetClass="entr" presetSubtype="0" fill="hold" nodeType="clickEffect">
-                                  <p:stCondLst>
-                                    <p:cond delay="0"/>
-                                  </p:stCondLst>
-                                  <p:childTnLst>
-                                    <p:set>
-                                      <p:cBhvr>
-                                        <p:cTn id="12" dur="1" fill="hold">
-                                          <p:stCondLst>
-                                            <p:cond delay="0"/>
-                                          </p:stCondLst>
-                                        </p:cTn>
-                                        <p:tgtEl>
-                                          <p:spTgt spid="3">
-                                            <p:txEl>
-                                              <p:pRg st="4" end="4"/>
-                                            </p:txEl>
-                                          </p:spTgt>
-                                        </p:tgtEl>
-                                        <p:attrNameLst>
-                                          <p:attrName>style.visibility</p:attrName>
-                                        </p:attrNameLst>
-                                      </p:cBhvr>
-                                      <p:to>
-                                        <p:strVal val="visible"/>
-                                      </p:to>
-                                    </p:set>
-                                  </p:childTnLst>
-                                </p:cTn>
-                              </p:par>
-                              <p:par>
-                                <p:cTn id="13" presetID="1" presetClass="entr" presetSubtype="0" fill="hold" nodeType="withEffect">
-                                  <p:stCondLst>
-                                    <p:cond delay="0"/>
-                                  </p:stCondLst>
-                                  <p:childTnLst>
-                                    <p:set>
-                                      <p:cBhvr>
-                                        <p:cTn id="14" dur="1" fill="hold">
-                                          <p:stCondLst>
-                                            <p:cond delay="0"/>
-                                          </p:stCondLst>
-                                        </p:cTn>
-                                        <p:tgtEl>
-                                          <p:spTgt spid="3">
-                                            <p:txEl>
-                                              <p:pRg st="5" end="5"/>
-                                            </p:txEl>
-                                          </p:spTgt>
-                                        </p:tgtEl>
-                                        <p:attrNameLst>
-                                          <p:attrName>style.visibility</p:attrName>
-                                        </p:attrNameLst>
-                                      </p:cBhvr>
-                                      <p:to>
-                                        <p:strVal val="visible"/>
-                                      </p:to>
-                                    </p:set>
-                                  </p:childTnLst>
-                                </p:cTn>
-                              </p:par>
-                            </p:childTnLst>
-                          </p:cTn>
-                        </p:par>
-                      </p:childTnLst>
-                    </p:cTn>
-                  </p:par>
-                  <p:par>
-                    <p:cTn id="15" fill="hold">
-                      <p:stCondLst>
-                        <p:cond delay="indefinite"/>
-                      </p:stCondLst>
-                      <p:childTnLst>
-                        <p:par>
-                          <p:cTn id="16" fill="hold">
-                            <p:stCondLst>
-                              <p:cond delay="0"/>
-                            </p:stCondLst>
-                            <p:childTnLst>
-                              <p:par>
-                                <p:cTn id="17" presetID="1" presetClass="entr" presetSubtype="0" fill="hold" nodeType="clickEffect">
-                                  <p:stCondLst>
-                                    <p:cond delay="0"/>
-                                  </p:stCondLst>
-                                  <p:childTnLst>
-                                    <p:set>
-                                      <p:cBhvr>
-                                        <p:cTn id="18" dur="1" fill="hold">
-                                          <p:stCondLst>
-                                            <p:cond delay="0"/>
-                                          </p:stCondLst>
-                                        </p:cTn>
-                                        <p:tgtEl>
-                                          <p:spTgt spid="3">
-                                            <p:txEl>
-                                              <p:pRg st="6" end="6"/>
-                                            </p:txEl>
-                                          </p:spTgt>
-                                        </p:tgtEl>
-                                        <p:attrNameLst>
-                                          <p:attrName>style.visibility</p:attrName>
-                                        </p:attrNameLst>
-                                      </p:cBhvr>
-                                      <p:to>
-                                        <p:strVal val="visible"/>
-                                      </p:to>
-                                    </p:set>
-                                  </p:childTnLst>
-                                </p:cTn>
-                              </p:par>
-                            </p:childTnLst>
-                          </p:cTn>
-                        </p:par>
-                      </p:childTnLst>
-                    </p:cTn>
-                  </p:par>
-                </p:childTnLst>
-              </p:cTn>
-              <p:prevCondLst>
-                <p:cond evt="onPrev" delay="0">
-                  <p:tgtEl>
-                    <p:sldTgt/>
-                  </p:tgtEl>
-                </p:cond>
-              </p:prevCondLst>
-              <p:nextCondLst>
-                <p:cond evt="onNext" delay="0">
-                  <p:tgtEl>
-                    <p:sldTgt/>
-                  </p:tgtEl>
-                </p:cond>
-              </p:nextCondLst>
-            </p:seq>
-          </p:childTnLst>
-        </p:cTn>
-      </p:par>
-    </p:tnLst>
-  </p:timing>
 </p:sld>
 </file>
 
@@ -30688,8 +30461,8 @@
           <a:chExt cx="0" cy="0"/>
         </a:xfrm>
       </p:grpSpPr>
-      <mc:AlternateContent xmlns:mc="http://schemas.openxmlformats.org/markup-compatibility/2006">
-        <mc:Choice xmlns:a14="http://schemas.microsoft.com/office/drawing/2010/main" Requires="a14">
+      <mc:AlternateContent xmlns:mc="http://schemas.openxmlformats.org/markup-compatibility/2006" xmlns:a14="http://schemas.microsoft.com/office/drawing/2010/main">
+        <mc:Choice Requires="a14">
           <p:sp>
             <p:nvSpPr>
               <p:cNvPr id="2" name="Title 1">
@@ -31096,7 +30869,7 @@
             </p:txBody>
           </p:sp>
         </mc:Choice>
-        <mc:Fallback>
+        <mc:Fallback xmlns="">
           <p:sp>
             <p:nvSpPr>
               <p:cNvPr id="2" name="Title 1">
